--- a/先傑軟工策略小組.pptx
+++ b/先傑軟工策略小組.pptx
@@ -9,6 +9,7 @@
     <p:sldId id="257" r:id="rId3"/>
     <p:sldId id="258" r:id="rId4"/>
     <p:sldId id="259" r:id="rId5"/>
+    <p:sldId id="260" r:id="rId6"/>
   </p:sldIdLst>
   <p:sldSz cx="12192000" cy="6858000"/>
   <p:notesSz cx="6858000" cy="9144000"/>
@@ -107,6 +108,11 @@
       </a:defRPr>
     </a:lvl9pPr>
   </p:defaultTextStyle>
+  <p:extLst>
+    <p:ext uri="{EFAFB233-063F-42B5-8137-9DF3F51BA10A}">
+      <p15:sldGuideLst xmlns:p15="http://schemas.microsoft.com/office/powerpoint/2012/main"/>
+    </p:ext>
+  </p:extLst>
 </p:presentation>
 </file>
 
@@ -298,7 +304,7 @@
           <a:p>
             <a:fld id="{F82B57F7-823C-48F1-900A-38E6FE8703D1}" type="datetimeFigureOut">
               <a:rPr lang="zh-TW" altLang="en-US" smtClean="0"/>
-              <a:t>2020/12/19</a:t>
+              <a:t>2020/12/22</a:t>
             </a:fld>
             <a:endParaRPr lang="zh-TW" altLang="en-US"/>
           </a:p>
@@ -636,7 +642,7 @@
           <a:p>
             <a:fld id="{F82B57F7-823C-48F1-900A-38E6FE8703D1}" type="datetimeFigureOut">
               <a:rPr lang="zh-TW" altLang="en-US" smtClean="0"/>
-              <a:t>2020/12/19</a:t>
+              <a:t>2020/12/22</a:t>
             </a:fld>
             <a:endParaRPr lang="zh-TW" altLang="en-US"/>
           </a:p>
@@ -1037,7 +1043,7 @@
           <a:p>
             <a:fld id="{F82B57F7-823C-48F1-900A-38E6FE8703D1}" type="datetimeFigureOut">
               <a:rPr lang="zh-TW" altLang="en-US" smtClean="0"/>
-              <a:t>2020/12/19</a:t>
+              <a:t>2020/12/22</a:t>
             </a:fld>
             <a:endParaRPr lang="zh-TW" altLang="en-US"/>
           </a:p>
@@ -1373,7 +1379,7 @@
           <a:p>
             <a:fld id="{F82B57F7-823C-48F1-900A-38E6FE8703D1}" type="datetimeFigureOut">
               <a:rPr lang="zh-TW" altLang="en-US" smtClean="0"/>
-              <a:t>2020/12/19</a:t>
+              <a:t>2020/12/22</a:t>
             </a:fld>
             <a:endParaRPr lang="zh-TW" altLang="en-US"/>
           </a:p>
@@ -1693,7 +1699,7 @@
           <a:p>
             <a:fld id="{F82B57F7-823C-48F1-900A-38E6FE8703D1}" type="datetimeFigureOut">
               <a:rPr lang="zh-TW" altLang="en-US" smtClean="0"/>
-              <a:t>2020/12/19</a:t>
+              <a:t>2020/12/22</a:t>
             </a:fld>
             <a:endParaRPr lang="zh-TW" altLang="en-US"/>
           </a:p>
@@ -2089,7 +2095,7 @@
           <a:p>
             <a:fld id="{F82B57F7-823C-48F1-900A-38E6FE8703D1}" type="datetimeFigureOut">
               <a:rPr lang="zh-TW" altLang="en-US" smtClean="0"/>
-              <a:t>2020/12/19</a:t>
+              <a:t>2020/12/22</a:t>
             </a:fld>
             <a:endParaRPr lang="zh-TW" altLang="en-US"/>
           </a:p>
@@ -2346,7 +2352,7 @@
           <a:p>
             <a:fld id="{F82B57F7-823C-48F1-900A-38E6FE8703D1}" type="datetimeFigureOut">
               <a:rPr lang="zh-TW" altLang="en-US" smtClean="0"/>
-              <a:t>2020/12/19</a:t>
+              <a:t>2020/12/22</a:t>
             </a:fld>
             <a:endParaRPr lang="zh-TW" altLang="en-US"/>
           </a:p>
@@ -2608,7 +2614,7 @@
           <a:p>
             <a:fld id="{F82B57F7-823C-48F1-900A-38E6FE8703D1}" type="datetimeFigureOut">
               <a:rPr lang="zh-TW" altLang="en-US" smtClean="0"/>
-              <a:t>2020/12/19</a:t>
+              <a:t>2020/12/22</a:t>
             </a:fld>
             <a:endParaRPr lang="zh-TW" altLang="en-US"/>
           </a:p>
@@ -2870,7 +2876,7 @@
           <a:p>
             <a:fld id="{F82B57F7-823C-48F1-900A-38E6FE8703D1}" type="datetimeFigureOut">
               <a:rPr lang="zh-TW" altLang="en-US" smtClean="0"/>
-              <a:t>2020/12/19</a:t>
+              <a:t>2020/12/22</a:t>
             </a:fld>
             <a:endParaRPr lang="zh-TW" altLang="en-US"/>
           </a:p>
@@ -3199,7 +3205,7 @@
           <a:p>
             <a:fld id="{F82B57F7-823C-48F1-900A-38E6FE8703D1}" type="datetimeFigureOut">
               <a:rPr lang="zh-TW" altLang="en-US" smtClean="0"/>
-              <a:t>2020/12/19</a:t>
+              <a:t>2020/12/22</a:t>
             </a:fld>
             <a:endParaRPr lang="zh-TW" altLang="en-US"/>
           </a:p>
@@ -3522,7 +3528,7 @@
           <a:p>
             <a:fld id="{F82B57F7-823C-48F1-900A-38E6FE8703D1}" type="datetimeFigureOut">
               <a:rPr lang="zh-TW" altLang="en-US" smtClean="0"/>
-              <a:t>2020/12/19</a:t>
+              <a:t>2020/12/22</a:t>
             </a:fld>
             <a:endParaRPr lang="zh-TW" altLang="en-US"/>
           </a:p>
@@ -3979,7 +3985,7 @@
           <a:p>
             <a:fld id="{F82B57F7-823C-48F1-900A-38E6FE8703D1}" type="datetimeFigureOut">
               <a:rPr lang="zh-TW" altLang="en-US" smtClean="0"/>
-              <a:t>2020/12/19</a:t>
+              <a:t>2020/12/22</a:t>
             </a:fld>
             <a:endParaRPr lang="zh-TW" altLang="en-US"/>
           </a:p>
@@ -4184,7 +4190,7 @@
           <a:p>
             <a:fld id="{F82B57F7-823C-48F1-900A-38E6FE8703D1}" type="datetimeFigureOut">
               <a:rPr lang="zh-TW" altLang="en-US" smtClean="0"/>
-              <a:t>2020/12/19</a:t>
+              <a:t>2020/12/22</a:t>
             </a:fld>
             <a:endParaRPr lang="zh-TW" altLang="en-US"/>
           </a:p>
@@ -4361,7 +4367,7 @@
           <a:p>
             <a:fld id="{F82B57F7-823C-48F1-900A-38E6FE8703D1}" type="datetimeFigureOut">
               <a:rPr lang="zh-TW" altLang="en-US" smtClean="0"/>
-              <a:t>2020/12/19</a:t>
+              <a:t>2020/12/22</a:t>
             </a:fld>
             <a:endParaRPr lang="zh-TW" altLang="en-US"/>
           </a:p>
@@ -4694,7 +4700,7 @@
           <a:p>
             <a:fld id="{F82B57F7-823C-48F1-900A-38E6FE8703D1}" type="datetimeFigureOut">
               <a:rPr lang="zh-TW" altLang="en-US" smtClean="0"/>
-              <a:t>2020/12/19</a:t>
+              <a:t>2020/12/22</a:t>
             </a:fld>
             <a:endParaRPr lang="zh-TW" altLang="en-US"/>
           </a:p>
@@ -5039,7 +5045,7 @@
           <a:p>
             <a:fld id="{F82B57F7-823C-48F1-900A-38E6FE8703D1}" type="datetimeFigureOut">
               <a:rPr lang="zh-TW" altLang="en-US" smtClean="0"/>
-              <a:t>2020/12/19</a:t>
+              <a:t>2020/12/22</a:t>
             </a:fld>
             <a:endParaRPr lang="zh-TW" altLang="en-US"/>
           </a:p>
@@ -7156,7 +7162,7 @@
           <a:p>
             <a:fld id="{F82B57F7-823C-48F1-900A-38E6FE8703D1}" type="datetimeFigureOut">
               <a:rPr lang="zh-TW" altLang="en-US" smtClean="0"/>
-              <a:t>2020/12/19</a:t>
+              <a:t>2020/12/22</a:t>
             </a:fld>
             <a:endParaRPr lang="zh-TW" altLang="en-US"/>
           </a:p>
@@ -8082,6 +8088,43 @@
 </p:sld>
 </file>
 
+<file path=ppt/slides/slide5.xml><?xml version="1.0" encoding="utf-8"?>
+<p:sld xmlns:a="http://schemas.openxmlformats.org/drawingml/2006/main" xmlns:r="http://schemas.openxmlformats.org/officeDocument/2006/relationships" xmlns:p="http://schemas.openxmlformats.org/presentationml/2006/main">
+  <p:cSld>
+    <p:spTree>
+      <p:nvGrpSpPr>
+        <p:cNvPr id="1" name=""/>
+        <p:cNvGrpSpPr/>
+        <p:nvPr/>
+      </p:nvGrpSpPr>
+      <p:grpSpPr>
+        <a:xfrm>
+          <a:off x="0" y="0"/>
+          <a:ext cx="0" cy="0"/>
+          <a:chOff x="0" y="0"/>
+          <a:chExt cx="0" cy="0"/>
+        </a:xfrm>
+      </p:grpSpPr>
+    </p:spTree>
+    <p:extLst>
+      <p:ext uri="{BB962C8B-B14F-4D97-AF65-F5344CB8AC3E}">
+        <p14:creationId xmlns:p14="http://schemas.microsoft.com/office/powerpoint/2010/main" val="2970294334"/>
+      </p:ext>
+    </p:extLst>
+  </p:cSld>
+  <p:clrMapOvr>
+    <a:masterClrMapping/>
+  </p:clrMapOvr>
+  <p:timing>
+    <p:tnLst>
+      <p:par>
+        <p:cTn id="1" dur="indefinite" restart="never" nodeType="tmRoot"/>
+      </p:par>
+    </p:tnLst>
+  </p:timing>
+</p:sld>
+</file>
+
 <file path=ppt/theme/theme1.xml><?xml version="1.0" encoding="utf-8"?>
 <a:theme xmlns:a="http://schemas.openxmlformats.org/drawingml/2006/main" name="絲縷">
   <a:themeElements>

--- a/先傑軟工策略小組.pptx
+++ b/先傑軟工策略小組.pptx
@@ -8,8 +8,16 @@
     <p:sldId id="256" r:id="rId2"/>
     <p:sldId id="257" r:id="rId3"/>
     <p:sldId id="258" r:id="rId4"/>
-    <p:sldId id="259" r:id="rId5"/>
-    <p:sldId id="260" r:id="rId6"/>
+    <p:sldId id="263" r:id="rId5"/>
+    <p:sldId id="264" r:id="rId6"/>
+    <p:sldId id="265" r:id="rId7"/>
+    <p:sldId id="261" r:id="rId8"/>
+    <p:sldId id="259" r:id="rId9"/>
+    <p:sldId id="267" r:id="rId10"/>
+    <p:sldId id="268" r:id="rId11"/>
+    <p:sldId id="269" r:id="rId12"/>
+    <p:sldId id="262" r:id="rId13"/>
+    <p:sldId id="266" r:id="rId14"/>
   </p:sldIdLst>
   <p:sldSz cx="12192000" cy="6858000"/>
   <p:notesSz cx="6858000" cy="9144000"/>
@@ -109,6 +117,27 @@
     </a:lvl9pPr>
   </p:defaultTextStyle>
   <p:extLst>
+    <p:ext uri="{521415D9-36F7-43E2-AB2F-B90AF26B5E84}">
+      <p14:sectionLst xmlns:p14="http://schemas.microsoft.com/office/powerpoint/2010/main">
+        <p14:section name="預設章節" id="{594F5D0A-5B2C-4144-8E55-5D8AF78005C2}">
+          <p14:sldIdLst>
+            <p14:sldId id="256"/>
+            <p14:sldId id="257"/>
+            <p14:sldId id="258"/>
+            <p14:sldId id="263"/>
+            <p14:sldId id="264"/>
+            <p14:sldId id="265"/>
+            <p14:sldId id="261"/>
+            <p14:sldId id="259"/>
+            <p14:sldId id="267"/>
+            <p14:sldId id="268"/>
+            <p14:sldId id="269"/>
+            <p14:sldId id="262"/>
+            <p14:sldId id="266"/>
+          </p14:sldIdLst>
+        </p14:section>
+      </p14:sectionLst>
+    </p:ext>
     <p:ext uri="{EFAFB233-063F-42B5-8137-9DF3F51BA10A}">
       <p15:sldGuideLst xmlns:p15="http://schemas.microsoft.com/office/powerpoint/2012/main"/>
     </p:ext>
@@ -304,7 +333,7 @@
           <a:p>
             <a:fld id="{F82B57F7-823C-48F1-900A-38E6FE8703D1}" type="datetimeFigureOut">
               <a:rPr lang="zh-TW" altLang="en-US" smtClean="0"/>
-              <a:t>2020/12/22</a:t>
+              <a:t>2020/12/24</a:t>
             </a:fld>
             <a:endParaRPr lang="zh-TW" altLang="en-US"/>
           </a:p>
@@ -642,7 +671,7 @@
           <a:p>
             <a:fld id="{F82B57F7-823C-48F1-900A-38E6FE8703D1}" type="datetimeFigureOut">
               <a:rPr lang="zh-TW" altLang="en-US" smtClean="0"/>
-              <a:t>2020/12/22</a:t>
+              <a:t>2020/12/24</a:t>
             </a:fld>
             <a:endParaRPr lang="zh-TW" altLang="en-US"/>
           </a:p>
@@ -1043,7 +1072,7 @@
           <a:p>
             <a:fld id="{F82B57F7-823C-48F1-900A-38E6FE8703D1}" type="datetimeFigureOut">
               <a:rPr lang="zh-TW" altLang="en-US" smtClean="0"/>
-              <a:t>2020/12/22</a:t>
+              <a:t>2020/12/24</a:t>
             </a:fld>
             <a:endParaRPr lang="zh-TW" altLang="en-US"/>
           </a:p>
@@ -1379,7 +1408,7 @@
           <a:p>
             <a:fld id="{F82B57F7-823C-48F1-900A-38E6FE8703D1}" type="datetimeFigureOut">
               <a:rPr lang="zh-TW" altLang="en-US" smtClean="0"/>
-              <a:t>2020/12/22</a:t>
+              <a:t>2020/12/24</a:t>
             </a:fld>
             <a:endParaRPr lang="zh-TW" altLang="en-US"/>
           </a:p>
@@ -1699,7 +1728,7 @@
           <a:p>
             <a:fld id="{F82B57F7-823C-48F1-900A-38E6FE8703D1}" type="datetimeFigureOut">
               <a:rPr lang="zh-TW" altLang="en-US" smtClean="0"/>
-              <a:t>2020/12/22</a:t>
+              <a:t>2020/12/24</a:t>
             </a:fld>
             <a:endParaRPr lang="zh-TW" altLang="en-US"/>
           </a:p>
@@ -2095,7 +2124,7 @@
           <a:p>
             <a:fld id="{F82B57F7-823C-48F1-900A-38E6FE8703D1}" type="datetimeFigureOut">
               <a:rPr lang="zh-TW" altLang="en-US" smtClean="0"/>
-              <a:t>2020/12/22</a:t>
+              <a:t>2020/12/24</a:t>
             </a:fld>
             <a:endParaRPr lang="zh-TW" altLang="en-US"/>
           </a:p>
@@ -2352,7 +2381,7 @@
           <a:p>
             <a:fld id="{F82B57F7-823C-48F1-900A-38E6FE8703D1}" type="datetimeFigureOut">
               <a:rPr lang="zh-TW" altLang="en-US" smtClean="0"/>
-              <a:t>2020/12/22</a:t>
+              <a:t>2020/12/24</a:t>
             </a:fld>
             <a:endParaRPr lang="zh-TW" altLang="en-US"/>
           </a:p>
@@ -2614,7 +2643,7 @@
           <a:p>
             <a:fld id="{F82B57F7-823C-48F1-900A-38E6FE8703D1}" type="datetimeFigureOut">
               <a:rPr lang="zh-TW" altLang="en-US" smtClean="0"/>
-              <a:t>2020/12/22</a:t>
+              <a:t>2020/12/24</a:t>
             </a:fld>
             <a:endParaRPr lang="zh-TW" altLang="en-US"/>
           </a:p>
@@ -2876,7 +2905,7 @@
           <a:p>
             <a:fld id="{F82B57F7-823C-48F1-900A-38E6FE8703D1}" type="datetimeFigureOut">
               <a:rPr lang="zh-TW" altLang="en-US" smtClean="0"/>
-              <a:t>2020/12/22</a:t>
+              <a:t>2020/12/24</a:t>
             </a:fld>
             <a:endParaRPr lang="zh-TW" altLang="en-US"/>
           </a:p>
@@ -3205,7 +3234,7 @@
           <a:p>
             <a:fld id="{F82B57F7-823C-48F1-900A-38E6FE8703D1}" type="datetimeFigureOut">
               <a:rPr lang="zh-TW" altLang="en-US" smtClean="0"/>
-              <a:t>2020/12/22</a:t>
+              <a:t>2020/12/24</a:t>
             </a:fld>
             <a:endParaRPr lang="zh-TW" altLang="en-US"/>
           </a:p>
@@ -3528,7 +3557,7 @@
           <a:p>
             <a:fld id="{F82B57F7-823C-48F1-900A-38E6FE8703D1}" type="datetimeFigureOut">
               <a:rPr lang="zh-TW" altLang="en-US" smtClean="0"/>
-              <a:t>2020/12/22</a:t>
+              <a:t>2020/12/24</a:t>
             </a:fld>
             <a:endParaRPr lang="zh-TW" altLang="en-US"/>
           </a:p>
@@ -3985,7 +4014,7 @@
           <a:p>
             <a:fld id="{F82B57F7-823C-48F1-900A-38E6FE8703D1}" type="datetimeFigureOut">
               <a:rPr lang="zh-TW" altLang="en-US" smtClean="0"/>
-              <a:t>2020/12/22</a:t>
+              <a:t>2020/12/24</a:t>
             </a:fld>
             <a:endParaRPr lang="zh-TW" altLang="en-US"/>
           </a:p>
@@ -4190,7 +4219,7 @@
           <a:p>
             <a:fld id="{F82B57F7-823C-48F1-900A-38E6FE8703D1}" type="datetimeFigureOut">
               <a:rPr lang="zh-TW" altLang="en-US" smtClean="0"/>
-              <a:t>2020/12/22</a:t>
+              <a:t>2020/12/24</a:t>
             </a:fld>
             <a:endParaRPr lang="zh-TW" altLang="en-US"/>
           </a:p>
@@ -4367,7 +4396,7 @@
           <a:p>
             <a:fld id="{F82B57F7-823C-48F1-900A-38E6FE8703D1}" type="datetimeFigureOut">
               <a:rPr lang="zh-TW" altLang="en-US" smtClean="0"/>
-              <a:t>2020/12/22</a:t>
+              <a:t>2020/12/24</a:t>
             </a:fld>
             <a:endParaRPr lang="zh-TW" altLang="en-US"/>
           </a:p>
@@ -4700,7 +4729,7 @@
           <a:p>
             <a:fld id="{F82B57F7-823C-48F1-900A-38E6FE8703D1}" type="datetimeFigureOut">
               <a:rPr lang="zh-TW" altLang="en-US" smtClean="0"/>
-              <a:t>2020/12/22</a:t>
+              <a:t>2020/12/24</a:t>
             </a:fld>
             <a:endParaRPr lang="zh-TW" altLang="en-US"/>
           </a:p>
@@ -5045,7 +5074,7 @@
           <a:p>
             <a:fld id="{F82B57F7-823C-48F1-900A-38E6FE8703D1}" type="datetimeFigureOut">
               <a:rPr lang="zh-TW" altLang="en-US" smtClean="0"/>
-              <a:t>2020/12/22</a:t>
+              <a:t>2020/12/24</a:t>
             </a:fld>
             <a:endParaRPr lang="zh-TW" altLang="en-US"/>
           </a:p>
@@ -7162,7 +7191,7 @@
           <a:p>
             <a:fld id="{F82B57F7-823C-48F1-900A-38E6FE8703D1}" type="datetimeFigureOut">
               <a:rPr lang="zh-TW" altLang="en-US" smtClean="0"/>
-              <a:t>2020/12/22</a:t>
+              <a:t>2020/12/24</a:t>
             </a:fld>
             <a:endParaRPr lang="zh-TW" altLang="en-US"/>
           </a:p>
@@ -7692,7 +7721,7 @@
         </p:nvSpPr>
         <p:spPr/>
         <p:txBody>
-          <a:bodyPr/>
+          <a:bodyPr anchor="ctr"/>
           <a:lstStyle/>
           <a:p>
             <a:r>
@@ -7750,6 +7779,608 @@
     <p:extLst>
       <p:ext uri="{BB962C8B-B14F-4D97-AF65-F5344CB8AC3E}">
         <p14:creationId xmlns:p14="http://schemas.microsoft.com/office/powerpoint/2010/main" val="2777723237"/>
+      </p:ext>
+    </p:extLst>
+  </p:cSld>
+  <p:clrMapOvr>
+    <a:masterClrMapping/>
+  </p:clrMapOvr>
+</p:sld>
+</file>
+
+<file path=ppt/slides/slide10.xml><?xml version="1.0" encoding="utf-8"?>
+<p:sld xmlns:a="http://schemas.openxmlformats.org/drawingml/2006/main" xmlns:r="http://schemas.openxmlformats.org/officeDocument/2006/relationships" xmlns:p="http://schemas.openxmlformats.org/presentationml/2006/main">
+  <p:cSld>
+    <p:spTree>
+      <p:nvGrpSpPr>
+        <p:cNvPr id="1" name=""/>
+        <p:cNvGrpSpPr/>
+        <p:nvPr/>
+      </p:nvGrpSpPr>
+      <p:grpSpPr>
+        <a:xfrm>
+          <a:off x="0" y="0"/>
+          <a:ext cx="0" cy="0"/>
+          <a:chOff x="0" y="0"/>
+          <a:chExt cx="0" cy="0"/>
+        </a:xfrm>
+      </p:grpSpPr>
+      <p:sp>
+        <p:nvSpPr>
+          <p:cNvPr id="2" name="標題 1"/>
+          <p:cNvSpPr>
+            <a:spLocks noGrp="1"/>
+          </p:cNvSpPr>
+          <p:nvPr>
+            <p:ph type="title"/>
+          </p:nvPr>
+        </p:nvSpPr>
+        <p:spPr/>
+        <p:txBody>
+          <a:bodyPr/>
+          <a:lstStyle/>
+          <a:p>
+            <a:r>
+              <a:rPr lang="zh-TW" altLang="en-US" dirty="0"/>
+              <a:t>實</a:t>
+            </a:r>
+            <a:r>
+              <a:rPr lang="zh-TW" altLang="en-US" dirty="0" smtClean="0"/>
+              <a:t>作</a:t>
+            </a:r>
+            <a:r>
+              <a:rPr lang="en-US" altLang="zh-TW" dirty="0" smtClean="0"/>
+              <a:t>-2</a:t>
+            </a:r>
+            <a:endParaRPr lang="zh-TW" altLang="en-US" dirty="0"/>
+          </a:p>
+        </p:txBody>
+      </p:sp>
+      <p:sp>
+        <p:nvSpPr>
+          <p:cNvPr id="3" name="內容版面配置區 2"/>
+          <p:cNvSpPr>
+            <a:spLocks noGrp="1"/>
+          </p:cNvSpPr>
+          <p:nvPr>
+            <p:ph idx="1"/>
+          </p:nvPr>
+        </p:nvSpPr>
+        <p:spPr/>
+        <p:txBody>
+          <a:bodyPr/>
+          <a:lstStyle/>
+          <a:p>
+            <a:pPr lvl="1"/>
+            <a:r>
+              <a:rPr lang="zh-TW" altLang="en-US" dirty="0"/>
+              <a:t>建置</a:t>
+            </a:r>
+            <a:r>
+              <a:rPr lang="en-US" altLang="zh-TW" dirty="0"/>
+              <a:t>Controller</a:t>
+            </a:r>
+            <a:r>
+              <a:rPr lang="zh-TW" altLang="en-US" dirty="0"/>
+              <a:t>檔案，使用指令建置</a:t>
+            </a:r>
+            <a:endParaRPr lang="en-US" altLang="zh-TW" dirty="0"/>
+          </a:p>
+          <a:p>
+            <a:pPr lvl="2"/>
+            <a:r>
+              <a:rPr lang="en-US" altLang="zh-TW" dirty="0" err="1"/>
+              <a:t>php</a:t>
+            </a:r>
+            <a:r>
+              <a:rPr lang="en-US" altLang="zh-TW" dirty="0"/>
+              <a:t> artisan </a:t>
+            </a:r>
+            <a:r>
+              <a:rPr lang="en-US" altLang="zh-TW" dirty="0" err="1"/>
+              <a:t>make:controller</a:t>
+            </a:r>
+            <a:r>
+              <a:rPr lang="en-US" altLang="zh-TW" dirty="0"/>
+              <a:t> Base\A01\A01120Controller –</a:t>
+            </a:r>
+            <a:r>
+              <a:rPr lang="en-US" altLang="zh-TW" dirty="0" smtClean="0"/>
+              <a:t>resource</a:t>
+            </a:r>
+          </a:p>
+          <a:p>
+            <a:pPr lvl="1"/>
+            <a:r>
+              <a:rPr lang="zh-TW" altLang="en-US" dirty="0" smtClean="0"/>
+              <a:t>修改</a:t>
+            </a:r>
+            <a:r>
+              <a:rPr lang="en-US" altLang="zh-TW" dirty="0" smtClean="0"/>
+              <a:t>Controller</a:t>
+            </a:r>
+            <a:r>
+              <a:rPr lang="zh-TW" altLang="en-US" dirty="0" smtClean="0"/>
+              <a:t>建構子</a:t>
+            </a:r>
+            <a:r>
+              <a:rPr lang="en-US" altLang="zh-TW" dirty="0" smtClean="0"/>
+              <a:t>(</a:t>
+            </a:r>
+            <a:r>
+              <a:rPr lang="zh-TW" altLang="en-US" dirty="0" smtClean="0"/>
+              <a:t>載入對應的</a:t>
+            </a:r>
+            <a:r>
+              <a:rPr lang="zh-TW" altLang="en-US" dirty="0"/>
+              <a:t>商業</a:t>
+            </a:r>
+            <a:r>
+              <a:rPr lang="zh-TW" altLang="en-US" dirty="0" smtClean="0"/>
+              <a:t>邏輯</a:t>
+            </a:r>
+            <a:r>
+              <a:rPr lang="en-US" altLang="zh-TW" dirty="0" smtClean="0"/>
+              <a:t>[Service])</a:t>
+            </a:r>
+          </a:p>
+          <a:p>
+            <a:pPr lvl="2"/>
+            <a:r>
+              <a:rPr lang="en-US" altLang="zh-TW" dirty="0" err="1" smtClean="0"/>
+              <a:t>FormServiceInterFace</a:t>
+            </a:r>
+            <a:r>
+              <a:rPr lang="en-US" altLang="zh-TW" dirty="0" smtClean="0"/>
+              <a:t> $</a:t>
+            </a:r>
+            <a:r>
+              <a:rPr lang="en-US" altLang="zh-TW" dirty="0" err="1" smtClean="0"/>
+              <a:t>serviceInterFace</a:t>
+            </a:r>
+            <a:endParaRPr lang="en-US" altLang="zh-TW" dirty="0" smtClean="0"/>
+          </a:p>
+          <a:p>
+            <a:pPr lvl="2"/>
+            <a:r>
+              <a:rPr lang="en-US" altLang="zh-TW" dirty="0" smtClean="0"/>
+              <a:t>$this-&gt;service = $</a:t>
+            </a:r>
+            <a:r>
+              <a:rPr lang="en-US" altLang="zh-TW" dirty="0" err="1" smtClean="0"/>
+              <a:t>serviceINterFace</a:t>
+            </a:r>
+            <a:r>
+              <a:rPr lang="en-US" altLang="zh-TW" dirty="0" smtClean="0"/>
+              <a:t>;</a:t>
+            </a:r>
+            <a:endParaRPr lang="en-US" altLang="zh-TW" dirty="0"/>
+          </a:p>
+          <a:p>
+            <a:endParaRPr lang="zh-TW" altLang="en-US" dirty="0"/>
+          </a:p>
+        </p:txBody>
+      </p:sp>
+      <p:pic>
+        <p:nvPicPr>
+          <p:cNvPr id="5" name="圖片 4"/>
+          <p:cNvPicPr>
+            <a:picLocks noChangeAspect="1"/>
+          </p:cNvPicPr>
+          <p:nvPr/>
+        </p:nvPicPr>
+        <p:blipFill>
+          <a:blip r:embed="rId2"/>
+          <a:stretch>
+            <a:fillRect/>
+          </a:stretch>
+        </p:blipFill>
+        <p:spPr>
+          <a:xfrm>
+            <a:off x="3118319" y="4022411"/>
+            <a:ext cx="6328645" cy="1337671"/>
+          </a:xfrm>
+          <a:prstGeom prst="rect">
+            <a:avLst/>
+          </a:prstGeom>
+        </p:spPr>
+      </p:pic>
+    </p:spTree>
+    <p:extLst>
+      <p:ext uri="{BB962C8B-B14F-4D97-AF65-F5344CB8AC3E}">
+        <p14:creationId xmlns:p14="http://schemas.microsoft.com/office/powerpoint/2010/main" val="1412287216"/>
+      </p:ext>
+    </p:extLst>
+  </p:cSld>
+  <p:clrMapOvr>
+    <a:masterClrMapping/>
+  </p:clrMapOvr>
+</p:sld>
+</file>
+
+<file path=ppt/slides/slide11.xml><?xml version="1.0" encoding="utf-8"?>
+<p:sld xmlns:a="http://schemas.openxmlformats.org/drawingml/2006/main" xmlns:r="http://schemas.openxmlformats.org/officeDocument/2006/relationships" xmlns:p="http://schemas.openxmlformats.org/presentationml/2006/main">
+  <p:cSld>
+    <p:spTree>
+      <p:nvGrpSpPr>
+        <p:cNvPr id="1" name=""/>
+        <p:cNvGrpSpPr/>
+        <p:nvPr/>
+      </p:nvGrpSpPr>
+      <p:grpSpPr>
+        <a:xfrm>
+          <a:off x="0" y="0"/>
+          <a:ext cx="0" cy="0"/>
+          <a:chOff x="0" y="0"/>
+          <a:chExt cx="0" cy="0"/>
+        </a:xfrm>
+      </p:grpSpPr>
+      <p:sp>
+        <p:nvSpPr>
+          <p:cNvPr id="2" name="標題 1"/>
+          <p:cNvSpPr>
+            <a:spLocks noGrp="1"/>
+          </p:cNvSpPr>
+          <p:nvPr>
+            <p:ph type="title"/>
+          </p:nvPr>
+        </p:nvSpPr>
+        <p:spPr/>
+        <p:txBody>
+          <a:bodyPr/>
+          <a:lstStyle/>
+          <a:p>
+            <a:r>
+              <a:rPr lang="zh-TW" altLang="en-US" dirty="0"/>
+              <a:t>實</a:t>
+            </a:r>
+            <a:r>
+              <a:rPr lang="zh-TW" altLang="en-US" dirty="0" smtClean="0"/>
+              <a:t>作</a:t>
+            </a:r>
+            <a:r>
+              <a:rPr lang="en-US" altLang="zh-TW" dirty="0" smtClean="0"/>
+              <a:t>-3</a:t>
+            </a:r>
+            <a:endParaRPr lang="zh-TW" altLang="en-US" dirty="0"/>
+          </a:p>
+        </p:txBody>
+      </p:sp>
+      <p:sp>
+        <p:nvSpPr>
+          <p:cNvPr id="3" name="內容版面配置區 2"/>
+          <p:cNvSpPr>
+            <a:spLocks noGrp="1"/>
+          </p:cNvSpPr>
+          <p:nvPr>
+            <p:ph idx="1"/>
+          </p:nvPr>
+        </p:nvSpPr>
+        <p:spPr/>
+        <p:txBody>
+          <a:bodyPr/>
+          <a:lstStyle/>
+          <a:p>
+            <a:pPr lvl="1"/>
+            <a:r>
+              <a:rPr lang="zh-TW" altLang="en-US" dirty="0"/>
+              <a:t>建置</a:t>
+            </a:r>
+            <a:r>
+              <a:rPr lang="en-US" altLang="zh-TW" dirty="0"/>
+              <a:t>View</a:t>
+            </a:r>
+          </a:p>
+          <a:p>
+            <a:pPr lvl="2"/>
+            <a:r>
+              <a:rPr lang="zh-TW" altLang="en-US" dirty="0"/>
+              <a:t>於</a:t>
+            </a:r>
+            <a:r>
+              <a:rPr lang="en-US" altLang="zh-TW" dirty="0"/>
+              <a:t>resource\views\Base\A01</a:t>
+            </a:r>
+            <a:r>
+              <a:rPr lang="zh-TW" altLang="en-US" dirty="0"/>
+              <a:t>資料夾下建置 </a:t>
+            </a:r>
+            <a:r>
+              <a:rPr lang="en-US" altLang="zh-TW" dirty="0"/>
+              <a:t>A01120</a:t>
+            </a:r>
+            <a:r>
+              <a:rPr lang="zh-TW" altLang="en-US" dirty="0"/>
+              <a:t>資料夾</a:t>
+            </a:r>
+            <a:endParaRPr lang="en-US" altLang="zh-TW" dirty="0"/>
+          </a:p>
+          <a:p>
+            <a:pPr lvl="2"/>
+            <a:r>
+              <a:rPr lang="zh-TW" altLang="en-US" dirty="0"/>
+              <a:t>於 </a:t>
+            </a:r>
+            <a:r>
+              <a:rPr lang="en-US" altLang="zh-TW" dirty="0"/>
+              <a:t>A01120</a:t>
+            </a:r>
+            <a:r>
+              <a:rPr lang="zh-TW" altLang="en-US" dirty="0"/>
+              <a:t>資料夾下建置</a:t>
+            </a:r>
+            <a:endParaRPr lang="en-US" altLang="zh-TW" dirty="0"/>
+          </a:p>
+          <a:p>
+            <a:pPr lvl="2"/>
+            <a:r>
+              <a:rPr lang="en-US" altLang="zh-TW" dirty="0"/>
+              <a:t>Index</a:t>
+            </a:r>
+            <a:r>
+              <a:rPr lang="zh-TW" altLang="en-US" dirty="0"/>
+              <a:t>、</a:t>
+            </a:r>
+            <a:r>
+              <a:rPr lang="en-US" altLang="zh-TW" dirty="0"/>
+              <a:t> create </a:t>
+            </a:r>
+            <a:r>
+              <a:rPr lang="zh-TW" altLang="en-US" dirty="0"/>
+              <a:t>、</a:t>
+            </a:r>
+            <a:r>
+              <a:rPr lang="en-US" altLang="zh-TW" dirty="0"/>
+              <a:t>edit</a:t>
+            </a:r>
+            <a:r>
+              <a:rPr lang="zh-TW" altLang="en-US" dirty="0"/>
+              <a:t> 、</a:t>
+            </a:r>
+            <a:r>
+              <a:rPr lang="en-US" altLang="zh-TW" dirty="0"/>
+              <a:t>show</a:t>
+            </a:r>
+            <a:r>
+              <a:rPr lang="zh-TW" altLang="en-US" dirty="0"/>
+              <a:t> 四支 </a:t>
+            </a:r>
+            <a:r>
+              <a:rPr lang="en-US" altLang="zh-TW" dirty="0"/>
+              <a:t>Blade</a:t>
+            </a:r>
+            <a:r>
+              <a:rPr lang="zh-TW" altLang="en-US" dirty="0"/>
+              <a:t>檔案</a:t>
+            </a:r>
+            <a:r>
+              <a:rPr lang="en-US" altLang="zh-TW" dirty="0"/>
+              <a:t>(</a:t>
+            </a:r>
+            <a:r>
+              <a:rPr lang="zh-TW" altLang="en-US" dirty="0"/>
+              <a:t>視需求減少</a:t>
+            </a:r>
+            <a:r>
+              <a:rPr lang="en-US" altLang="zh-TW" dirty="0"/>
+              <a:t>)</a:t>
+            </a:r>
+          </a:p>
+          <a:p>
+            <a:endParaRPr lang="zh-TW" altLang="en-US" dirty="0"/>
+          </a:p>
+        </p:txBody>
+      </p:sp>
+    </p:spTree>
+    <p:extLst>
+      <p:ext uri="{BB962C8B-B14F-4D97-AF65-F5344CB8AC3E}">
+        <p14:creationId xmlns:p14="http://schemas.microsoft.com/office/powerpoint/2010/main" val="2001846374"/>
+      </p:ext>
+    </p:extLst>
+  </p:cSld>
+  <p:clrMapOvr>
+    <a:masterClrMapping/>
+  </p:clrMapOvr>
+</p:sld>
+</file>
+
+<file path=ppt/slides/slide12.xml><?xml version="1.0" encoding="utf-8"?>
+<p:sld xmlns:a="http://schemas.openxmlformats.org/drawingml/2006/main" xmlns:r="http://schemas.openxmlformats.org/officeDocument/2006/relationships" xmlns:p="http://schemas.openxmlformats.org/presentationml/2006/main">
+  <p:cSld>
+    <p:spTree>
+      <p:nvGrpSpPr>
+        <p:cNvPr id="1" name=""/>
+        <p:cNvGrpSpPr/>
+        <p:nvPr/>
+      </p:nvGrpSpPr>
+      <p:grpSpPr>
+        <a:xfrm>
+          <a:off x="0" y="0"/>
+          <a:ext cx="0" cy="0"/>
+          <a:chOff x="0" y="0"/>
+          <a:chExt cx="0" cy="0"/>
+        </a:xfrm>
+      </p:grpSpPr>
+      <p:sp>
+        <p:nvSpPr>
+          <p:cNvPr id="2" name="標題 1"/>
+          <p:cNvSpPr>
+            <a:spLocks noGrp="1"/>
+          </p:cNvSpPr>
+          <p:nvPr>
+            <p:ph type="title"/>
+          </p:nvPr>
+        </p:nvSpPr>
+        <p:spPr/>
+        <p:txBody>
+          <a:bodyPr/>
+          <a:lstStyle/>
+          <a:p>
+            <a:r>
+              <a:rPr lang="zh-TW" altLang="en-US" dirty="0" smtClean="0"/>
+              <a:t>下一步</a:t>
+            </a:r>
+            <a:endParaRPr lang="zh-TW" altLang="en-US" dirty="0"/>
+          </a:p>
+        </p:txBody>
+      </p:sp>
+      <p:sp>
+        <p:nvSpPr>
+          <p:cNvPr id="3" name="內容版面配置區 2"/>
+          <p:cNvSpPr>
+            <a:spLocks noGrp="1"/>
+          </p:cNvSpPr>
+          <p:nvPr>
+            <p:ph idx="1"/>
+          </p:nvPr>
+        </p:nvSpPr>
+        <p:spPr/>
+        <p:txBody>
+          <a:bodyPr/>
+          <a:lstStyle/>
+          <a:p>
+            <a:r>
+              <a:rPr lang="zh-TW" altLang="en-US" dirty="0"/>
+              <a:t>選單編號需</a:t>
+            </a:r>
+            <a:r>
+              <a:rPr lang="zh-TW" altLang="en-US" dirty="0" smtClean="0"/>
+              <a:t>統一，需討論制定規則</a:t>
+            </a:r>
+            <a:endParaRPr lang="en-US" altLang="zh-TW" dirty="0"/>
+          </a:p>
+          <a:p>
+            <a:r>
+              <a:rPr lang="zh-TW" altLang="en-US" dirty="0" smtClean="0"/>
+              <a:t>彥呈 韋仲 </a:t>
+            </a:r>
+            <a:r>
+              <a:rPr lang="en-US" altLang="zh-TW" dirty="0" smtClean="0"/>
+              <a:t>=</a:t>
+            </a:r>
+            <a:r>
+              <a:rPr lang="zh-TW" altLang="en-US" dirty="0" smtClean="0"/>
+              <a:t> </a:t>
+            </a:r>
+            <a:r>
+              <a:rPr lang="en-US" altLang="zh-TW" dirty="0" smtClean="0"/>
+              <a:t>&gt;</a:t>
+            </a:r>
+            <a:r>
+              <a:rPr lang="zh-TW" altLang="en-US" dirty="0" smtClean="0"/>
+              <a:t> </a:t>
+            </a:r>
+            <a:r>
+              <a:rPr lang="en-US" altLang="zh-TW" dirty="0" smtClean="0"/>
+              <a:t>Model &amp; Repository</a:t>
+            </a:r>
+            <a:r>
+              <a:rPr lang="zh-TW" altLang="en-US" dirty="0" smtClean="0"/>
+              <a:t> 使用構思</a:t>
+            </a:r>
+            <a:endParaRPr lang="en-US" altLang="zh-TW" dirty="0" smtClean="0"/>
+          </a:p>
+          <a:p>
+            <a:r>
+              <a:rPr lang="zh-TW" altLang="en-US" dirty="0" smtClean="0"/>
+              <a:t>提供</a:t>
+            </a:r>
+            <a:r>
+              <a:rPr lang="en-US" altLang="zh-TW" dirty="0" smtClean="0"/>
+              <a:t>Artisan Command </a:t>
+            </a:r>
+            <a:r>
+              <a:rPr lang="zh-TW" altLang="en-US" dirty="0"/>
+              <a:t>產生對應</a:t>
+            </a:r>
+            <a:r>
+              <a:rPr lang="zh-TW" altLang="en-US" dirty="0" smtClean="0"/>
+              <a:t>的程式碼檔案，不需人工複製；</a:t>
+            </a:r>
+            <a:r>
+              <a:rPr lang="en-US" altLang="zh-TW" dirty="0" smtClean="0"/>
+              <a:t/>
+            </a:r>
+            <a:br>
+              <a:rPr lang="en-US" altLang="zh-TW" dirty="0" smtClean="0"/>
+            </a:br>
+            <a:r>
+              <a:rPr lang="zh-TW" altLang="en-US" dirty="0" smtClean="0"/>
+              <a:t>避免複製後相對應的參數沒有改掉</a:t>
+            </a:r>
+            <a:endParaRPr lang="en-US" altLang="zh-TW" dirty="0" smtClean="0"/>
+          </a:p>
+          <a:p>
+            <a:endParaRPr lang="en-US" altLang="zh-TW" dirty="0" smtClean="0"/>
+          </a:p>
+          <a:p>
+            <a:endParaRPr lang="zh-TW" altLang="en-US" dirty="0"/>
+          </a:p>
+        </p:txBody>
+      </p:sp>
+    </p:spTree>
+    <p:extLst>
+      <p:ext uri="{BB962C8B-B14F-4D97-AF65-F5344CB8AC3E}">
+        <p14:creationId xmlns:p14="http://schemas.microsoft.com/office/powerpoint/2010/main" val="3012220068"/>
+      </p:ext>
+    </p:extLst>
+  </p:cSld>
+  <p:clrMapOvr>
+    <a:masterClrMapping/>
+  </p:clrMapOvr>
+</p:sld>
+</file>
+
+<file path=ppt/slides/slide13.xml><?xml version="1.0" encoding="utf-8"?>
+<p:sld xmlns:a="http://schemas.openxmlformats.org/drawingml/2006/main" xmlns:r="http://schemas.openxmlformats.org/officeDocument/2006/relationships" xmlns:p="http://schemas.openxmlformats.org/presentationml/2006/main">
+  <p:cSld>
+    <p:spTree>
+      <p:nvGrpSpPr>
+        <p:cNvPr id="1" name=""/>
+        <p:cNvGrpSpPr/>
+        <p:nvPr/>
+      </p:nvGrpSpPr>
+      <p:grpSpPr>
+        <a:xfrm>
+          <a:off x="0" y="0"/>
+          <a:ext cx="0" cy="0"/>
+          <a:chOff x="0" y="0"/>
+          <a:chExt cx="0" cy="0"/>
+        </a:xfrm>
+      </p:grpSpPr>
+      <p:sp>
+        <p:nvSpPr>
+          <p:cNvPr id="2" name="標題 1"/>
+          <p:cNvSpPr>
+            <a:spLocks noGrp="1"/>
+          </p:cNvSpPr>
+          <p:nvPr>
+            <p:ph type="title"/>
+          </p:nvPr>
+        </p:nvSpPr>
+        <p:spPr>
+          <a:xfrm>
+            <a:off x="2025366" y="2780833"/>
+            <a:ext cx="8911687" cy="1280890"/>
+          </a:xfrm>
+        </p:spPr>
+        <p:txBody>
+          <a:bodyPr anchor="ctr"/>
+          <a:lstStyle/>
+          <a:p>
+            <a:pPr algn="ctr"/>
+            <a:r>
+              <a:rPr lang="en-US" altLang="zh-TW" dirty="0" smtClean="0"/>
+              <a:t>Q&amp;A</a:t>
+            </a:r>
+            <a:endParaRPr lang="zh-TW" altLang="en-US" dirty="0"/>
+          </a:p>
+        </p:txBody>
+      </p:sp>
+    </p:spTree>
+    <p:extLst>
+      <p:ext uri="{BB962C8B-B14F-4D97-AF65-F5344CB8AC3E}">
+        <p14:creationId xmlns:p14="http://schemas.microsoft.com/office/powerpoint/2010/main" val="160466894"/>
       </p:ext>
     </p:extLst>
   </p:cSld>
@@ -7830,6 +8461,13 @@
           <a:p>
             <a:r>
               <a:rPr lang="zh-TW" altLang="en-US" dirty="0" smtClean="0"/>
+              <a:t>初步構思</a:t>
+            </a:r>
+            <a:endParaRPr lang="en-US" altLang="zh-TW" dirty="0" smtClean="0"/>
+          </a:p>
+          <a:p>
+            <a:r>
+              <a:rPr lang="zh-TW" altLang="en-US" dirty="0" smtClean="0"/>
               <a:t>跳脫公版</a:t>
             </a:r>
             <a:r>
@@ -7841,7 +8479,18 @@
           <a:p>
             <a:r>
               <a:rPr lang="zh-TW" altLang="en-US" dirty="0" smtClean="0"/>
-              <a:t>實作</a:t>
+              <a:t>實</a:t>
+            </a:r>
+            <a:r>
+              <a:rPr lang="zh-TW" altLang="en-US" dirty="0" smtClean="0"/>
+              <a:t>作</a:t>
+            </a:r>
+            <a:endParaRPr lang="en-US" altLang="zh-TW" dirty="0" smtClean="0"/>
+          </a:p>
+          <a:p>
+            <a:r>
+              <a:rPr lang="zh-TW" altLang="en-US" dirty="0" smtClean="0"/>
+              <a:t>下一步</a:t>
             </a:r>
             <a:endParaRPr lang="zh-TW" altLang="en-US" dirty="0"/>
           </a:p>
@@ -7894,7 +8543,11 @@
           <a:p>
             <a:r>
               <a:rPr lang="zh-TW" altLang="en-US" dirty="0" smtClean="0"/>
-              <a:t>目錄架構</a:t>
+              <a:t>目錄</a:t>
+            </a:r>
+            <a:r>
+              <a:rPr lang="zh-TW" altLang="en-US" dirty="0" smtClean="0"/>
+              <a:t>架構簡介</a:t>
             </a:r>
             <a:endParaRPr lang="zh-TW" altLang="en-US" dirty="0"/>
           </a:p>
@@ -7921,28 +8574,61 @@
             </a:r>
           </a:p>
           <a:p>
+            <a:pPr lvl="1"/>
+            <a:r>
+              <a:rPr lang="en-US" altLang="zh-TW" dirty="0" smtClean="0"/>
+              <a:t>Base</a:t>
+            </a:r>
+          </a:p>
+          <a:p>
+            <a:pPr lvl="1"/>
+            <a:r>
+              <a:rPr lang="zh-TW" altLang="en-US" dirty="0" smtClean="0"/>
+              <a:t>學校</a:t>
+            </a:r>
+            <a:endParaRPr lang="en-US" altLang="zh-TW" dirty="0" smtClean="0"/>
+          </a:p>
+          <a:p>
             <a:r>
               <a:rPr lang="en-US" altLang="zh-TW" dirty="0" smtClean="0"/>
               <a:t>Controller</a:t>
             </a:r>
           </a:p>
           <a:p>
+            <a:pPr lvl="1"/>
+            <a:r>
+              <a:rPr lang="en-US" altLang="zh-TW" dirty="0" smtClean="0"/>
+              <a:t>Base</a:t>
+            </a:r>
+          </a:p>
+          <a:p>
+            <a:pPr lvl="1"/>
+            <a:r>
+              <a:rPr lang="zh-TW" altLang="en-US" dirty="0" smtClean="0"/>
+              <a:t>學校</a:t>
+            </a:r>
+            <a:endParaRPr lang="en-US" altLang="zh-TW" dirty="0" smtClean="0"/>
+          </a:p>
+          <a:p>
             <a:r>
               <a:rPr lang="en-US" altLang="zh-TW" dirty="0" smtClean="0"/>
               <a:t>View</a:t>
             </a:r>
           </a:p>
           <a:p>
+            <a:pPr lvl="1"/>
             <a:r>
               <a:rPr lang="en-US" altLang="zh-TW" dirty="0" smtClean="0"/>
-              <a:t>Service(Contracts &gt; Service)</a:t>
-            </a:r>
-          </a:p>
-          <a:p>
-            <a:r>
-              <a:rPr lang="en-US" altLang="zh-TW" dirty="0" smtClean="0"/>
-              <a:t>Model</a:t>
-            </a:r>
+              <a:t>Base</a:t>
+            </a:r>
+          </a:p>
+          <a:p>
+            <a:pPr lvl="1"/>
+            <a:r>
+              <a:rPr lang="zh-TW" altLang="en-US" dirty="0" smtClean="0"/>
+              <a:t>學校</a:t>
+            </a:r>
+            <a:endParaRPr lang="en-US" altLang="zh-TW" dirty="0" smtClean="0"/>
           </a:p>
           <a:p>
             <a:endParaRPr lang="zh-TW" altLang="en-US" dirty="0"/>
@@ -7995,90 +8681,43 @@
           <a:lstStyle/>
           <a:p>
             <a:r>
-              <a:rPr lang="zh-TW" altLang="en-US" dirty="0" smtClean="0"/>
-              <a:t>跳脫公版擴充</a:t>
+              <a:rPr lang="en-US" altLang="zh-TW" dirty="0" smtClean="0"/>
+              <a:t>Route</a:t>
             </a:r>
             <a:endParaRPr lang="zh-TW" altLang="en-US" dirty="0"/>
           </a:p>
         </p:txBody>
       </p:sp>
-      <p:sp>
-        <p:nvSpPr>
-          <p:cNvPr id="3" name="內容版面配置區 2"/>
-          <p:cNvSpPr>
-            <a:spLocks noGrp="1"/>
-          </p:cNvSpPr>
+      <p:pic>
+        <p:nvPicPr>
+          <p:cNvPr id="4" name="內容版面配置區 3"/>
+          <p:cNvPicPr>
+            <a:picLocks noGrp="1" noChangeAspect="1"/>
+          </p:cNvPicPr>
           <p:nvPr>
             <p:ph idx="1"/>
           </p:nvPr>
-        </p:nvSpPr>
-        <p:spPr/>
-        <p:txBody>
-          <a:bodyPr/>
-          <a:lstStyle/>
-          <a:p>
-            <a:r>
-              <a:rPr lang="zh-TW" altLang="en-US" dirty="0" smtClean="0"/>
-              <a:t>說明</a:t>
-            </a:r>
-            <a:endParaRPr lang="en-US" altLang="zh-TW" dirty="0" smtClean="0"/>
-          </a:p>
-          <a:p>
-            <a:pPr lvl="1"/>
-            <a:r>
-              <a:rPr lang="zh-TW" altLang="en-US" dirty="0" smtClean="0"/>
-              <a:t>當公版無法滿足客戶需求，需新增一支功能</a:t>
-            </a:r>
-            <a:endParaRPr lang="en-US" altLang="zh-TW" dirty="0" smtClean="0"/>
-          </a:p>
-          <a:p>
-            <a:r>
-              <a:rPr lang="zh-TW" altLang="en-US" dirty="0"/>
-              <a:t>流程</a:t>
-            </a:r>
-            <a:endParaRPr lang="en-US" altLang="zh-TW" dirty="0" smtClean="0"/>
-          </a:p>
-          <a:p>
-            <a:pPr lvl="1"/>
-            <a:r>
-              <a:rPr lang="zh-TW" altLang="en-US" dirty="0" smtClean="0"/>
-              <a:t>與專案小組提出，經團隊成員討論後，決議是否新增功能</a:t>
-            </a:r>
-            <a:endParaRPr lang="en-US" altLang="zh-TW" dirty="0" smtClean="0"/>
-          </a:p>
-          <a:p>
-            <a:pPr lvl="1"/>
-            <a:r>
-              <a:rPr lang="zh-TW" altLang="en-US" dirty="0" smtClean="0"/>
-              <a:t>由專案主管與研發團隊提出擴充需求</a:t>
-            </a:r>
-            <a:endParaRPr lang="en-US" altLang="zh-TW" dirty="0" smtClean="0"/>
-          </a:p>
-          <a:p>
-            <a:pPr lvl="1"/>
-            <a:r>
-              <a:rPr lang="zh-TW" altLang="en-US" dirty="0" smtClean="0"/>
-              <a:t>研發團隊與各專案主管評估是否需將此功能併入公版</a:t>
-            </a:r>
-            <a:endParaRPr lang="en-US" altLang="zh-TW" dirty="0" smtClean="0"/>
-          </a:p>
-          <a:p>
-            <a:pPr lvl="2"/>
-            <a:r>
-              <a:rPr lang="zh-TW" altLang="en-US" dirty="0" smtClean="0"/>
-              <a:t>同意併入公版，則需重構公版與該學校版本之程式碼</a:t>
-            </a:r>
-            <a:endParaRPr lang="en-US" altLang="zh-TW" dirty="0" smtClean="0"/>
-          </a:p>
-          <a:p>
-            <a:endParaRPr lang="en-US" altLang="zh-TW" dirty="0" smtClean="0"/>
-          </a:p>
-        </p:txBody>
-      </p:sp>
+        </p:nvPicPr>
+        <p:blipFill>
+          <a:blip r:embed="rId2"/>
+          <a:stretch>
+            <a:fillRect/>
+          </a:stretch>
+        </p:blipFill>
+        <p:spPr>
+          <a:xfrm>
+            <a:off x="2592925" y="1904999"/>
+            <a:ext cx="4791643" cy="4212021"/>
+          </a:xfrm>
+          <a:prstGeom prst="rect">
+            <a:avLst/>
+          </a:prstGeom>
+        </p:spPr>
+      </p:pic>
     </p:spTree>
     <p:extLst>
       <p:ext uri="{BB962C8B-B14F-4D97-AF65-F5344CB8AC3E}">
-        <p14:creationId xmlns:p14="http://schemas.microsoft.com/office/powerpoint/2010/main" val="3837120734"/>
+        <p14:creationId xmlns:p14="http://schemas.microsoft.com/office/powerpoint/2010/main" val="2502954081"/>
       </p:ext>
     </p:extLst>
   </p:cSld>
@@ -8105,23 +8744,593 @@
           <a:chExt cx="0" cy="0"/>
         </a:xfrm>
       </p:grpSpPr>
+      <p:sp>
+        <p:nvSpPr>
+          <p:cNvPr id="2" name="標題 1"/>
+          <p:cNvSpPr>
+            <a:spLocks noGrp="1"/>
+          </p:cNvSpPr>
+          <p:nvPr>
+            <p:ph type="title"/>
+          </p:nvPr>
+        </p:nvSpPr>
+        <p:spPr/>
+        <p:txBody>
+          <a:bodyPr/>
+          <a:lstStyle/>
+          <a:p>
+            <a:r>
+              <a:rPr lang="en-US" altLang="zh-TW" dirty="0" smtClean="0"/>
+              <a:t>Controller</a:t>
+            </a:r>
+            <a:endParaRPr lang="zh-TW" altLang="en-US" dirty="0"/>
+          </a:p>
+        </p:txBody>
+      </p:sp>
+      <p:pic>
+        <p:nvPicPr>
+          <p:cNvPr id="4" name="內容版面配置區 3"/>
+          <p:cNvPicPr>
+            <a:picLocks noGrp="1" noChangeAspect="1"/>
+          </p:cNvPicPr>
+          <p:nvPr>
+            <p:ph idx="1"/>
+          </p:nvPr>
+        </p:nvPicPr>
+        <p:blipFill>
+          <a:blip r:embed="rId2"/>
+          <a:stretch>
+            <a:fillRect/>
+          </a:stretch>
+        </p:blipFill>
+        <p:spPr>
+          <a:xfrm>
+            <a:off x="2592925" y="1905000"/>
+            <a:ext cx="6480025" cy="4022834"/>
+          </a:xfrm>
+          <a:prstGeom prst="rect">
+            <a:avLst/>
+          </a:prstGeom>
+        </p:spPr>
+      </p:pic>
     </p:spTree>
     <p:extLst>
       <p:ext uri="{BB962C8B-B14F-4D97-AF65-F5344CB8AC3E}">
-        <p14:creationId xmlns:p14="http://schemas.microsoft.com/office/powerpoint/2010/main" val="2970294334"/>
+        <p14:creationId xmlns:p14="http://schemas.microsoft.com/office/powerpoint/2010/main" val="1133084490"/>
       </p:ext>
     </p:extLst>
   </p:cSld>
   <p:clrMapOvr>
     <a:masterClrMapping/>
   </p:clrMapOvr>
-  <p:timing>
-    <p:tnLst>
-      <p:par>
-        <p:cTn id="1" dur="indefinite" restart="never" nodeType="tmRoot"/>
-      </p:par>
-    </p:tnLst>
-  </p:timing>
+</p:sld>
+</file>
+
+<file path=ppt/slides/slide6.xml><?xml version="1.0" encoding="utf-8"?>
+<p:sld xmlns:a="http://schemas.openxmlformats.org/drawingml/2006/main" xmlns:r="http://schemas.openxmlformats.org/officeDocument/2006/relationships" xmlns:p="http://schemas.openxmlformats.org/presentationml/2006/main">
+  <p:cSld>
+    <p:spTree>
+      <p:nvGrpSpPr>
+        <p:cNvPr id="1" name=""/>
+        <p:cNvGrpSpPr/>
+        <p:nvPr/>
+      </p:nvGrpSpPr>
+      <p:grpSpPr>
+        <a:xfrm>
+          <a:off x="0" y="0"/>
+          <a:ext cx="0" cy="0"/>
+          <a:chOff x="0" y="0"/>
+          <a:chExt cx="0" cy="0"/>
+        </a:xfrm>
+      </p:grpSpPr>
+      <p:sp>
+        <p:nvSpPr>
+          <p:cNvPr id="2" name="標題 1"/>
+          <p:cNvSpPr>
+            <a:spLocks noGrp="1"/>
+          </p:cNvSpPr>
+          <p:nvPr>
+            <p:ph type="title"/>
+          </p:nvPr>
+        </p:nvSpPr>
+        <p:spPr/>
+        <p:txBody>
+          <a:bodyPr/>
+          <a:lstStyle/>
+          <a:p>
+            <a:r>
+              <a:rPr lang="en-US" altLang="zh-TW" dirty="0" smtClean="0"/>
+              <a:t>View</a:t>
+            </a:r>
+            <a:endParaRPr lang="zh-TW" altLang="en-US" dirty="0"/>
+          </a:p>
+        </p:txBody>
+      </p:sp>
+      <p:pic>
+        <p:nvPicPr>
+          <p:cNvPr id="4" name="內容版面配置區 3"/>
+          <p:cNvPicPr>
+            <a:picLocks noGrp="1" noChangeAspect="1"/>
+          </p:cNvPicPr>
+          <p:nvPr>
+            <p:ph idx="1"/>
+          </p:nvPr>
+        </p:nvPicPr>
+        <p:blipFill>
+          <a:blip r:embed="rId2"/>
+          <a:stretch>
+            <a:fillRect/>
+          </a:stretch>
+        </p:blipFill>
+        <p:spPr>
+          <a:xfrm>
+            <a:off x="2592925" y="1904999"/>
+            <a:ext cx="5037585" cy="4438915"/>
+          </a:xfrm>
+          <a:prstGeom prst="rect">
+            <a:avLst/>
+          </a:prstGeom>
+        </p:spPr>
+      </p:pic>
+    </p:spTree>
+    <p:extLst>
+      <p:ext uri="{BB962C8B-B14F-4D97-AF65-F5344CB8AC3E}">
+        <p14:creationId xmlns:p14="http://schemas.microsoft.com/office/powerpoint/2010/main" val="112538278"/>
+      </p:ext>
+    </p:extLst>
+  </p:cSld>
+  <p:clrMapOvr>
+    <a:masterClrMapping/>
+  </p:clrMapOvr>
+</p:sld>
+</file>
+
+<file path=ppt/slides/slide7.xml><?xml version="1.0" encoding="utf-8"?>
+<p:sld xmlns:a="http://schemas.openxmlformats.org/drawingml/2006/main" xmlns:r="http://schemas.openxmlformats.org/officeDocument/2006/relationships" xmlns:p="http://schemas.openxmlformats.org/presentationml/2006/main">
+  <p:cSld>
+    <p:spTree>
+      <p:nvGrpSpPr>
+        <p:cNvPr id="1" name=""/>
+        <p:cNvGrpSpPr/>
+        <p:nvPr/>
+      </p:nvGrpSpPr>
+      <p:grpSpPr>
+        <a:xfrm>
+          <a:off x="0" y="0"/>
+          <a:ext cx="0" cy="0"/>
+          <a:chOff x="0" y="0"/>
+          <a:chExt cx="0" cy="0"/>
+        </a:xfrm>
+      </p:grpSpPr>
+      <p:sp>
+        <p:nvSpPr>
+          <p:cNvPr id="2" name="標題 1"/>
+          <p:cNvSpPr>
+            <a:spLocks noGrp="1"/>
+          </p:cNvSpPr>
+          <p:nvPr>
+            <p:ph type="title"/>
+          </p:nvPr>
+        </p:nvSpPr>
+        <p:spPr/>
+        <p:txBody>
+          <a:bodyPr/>
+          <a:lstStyle/>
+          <a:p>
+            <a:r>
+              <a:rPr lang="zh-TW" altLang="en-US" dirty="0" smtClean="0"/>
+              <a:t>初步構思</a:t>
+            </a:r>
+            <a:endParaRPr lang="zh-TW" altLang="en-US" dirty="0"/>
+          </a:p>
+        </p:txBody>
+      </p:sp>
+      <p:sp>
+        <p:nvSpPr>
+          <p:cNvPr id="3" name="內容版面配置區 2"/>
+          <p:cNvSpPr>
+            <a:spLocks noGrp="1"/>
+          </p:cNvSpPr>
+          <p:nvPr>
+            <p:ph idx="1"/>
+          </p:nvPr>
+        </p:nvSpPr>
+        <p:spPr/>
+        <p:txBody>
+          <a:bodyPr/>
+          <a:lstStyle/>
+          <a:p>
+            <a:r>
+              <a:rPr lang="zh-TW" altLang="en-US" dirty="0" smtClean="0"/>
+              <a:t>原則上 </a:t>
+            </a:r>
+            <a:r>
+              <a:rPr lang="en-US" altLang="zh-TW" dirty="0" smtClean="0"/>
+              <a:t>Route Controller View </a:t>
+            </a:r>
+            <a:r>
+              <a:rPr lang="zh-TW" altLang="en-US" dirty="0"/>
+              <a:t>每間學校都</a:t>
+            </a:r>
+            <a:r>
+              <a:rPr lang="zh-TW" altLang="en-US" dirty="0" smtClean="0"/>
+              <a:t>預設與公版一致</a:t>
+            </a:r>
+            <a:endParaRPr lang="en-US" altLang="zh-TW" dirty="0" smtClean="0"/>
+          </a:p>
+          <a:p>
+            <a:r>
+              <a:rPr lang="zh-TW" altLang="en-US" dirty="0"/>
+              <a:t>一個</a:t>
+            </a:r>
+            <a:r>
+              <a:rPr lang="zh-TW" altLang="en-US" dirty="0" smtClean="0"/>
+              <a:t>功能</a:t>
+            </a:r>
+            <a:r>
+              <a:rPr lang="en-US" altLang="zh-TW" dirty="0"/>
+              <a:t>(</a:t>
+            </a:r>
+            <a:r>
+              <a:rPr lang="zh-TW" altLang="en-US" dirty="0"/>
+              <a:t>頁籤</a:t>
+            </a:r>
+            <a:r>
+              <a:rPr lang="en-US" altLang="zh-TW" dirty="0"/>
+              <a:t>)</a:t>
+            </a:r>
+            <a:r>
+              <a:rPr lang="zh-TW" altLang="en-US" dirty="0" smtClean="0"/>
+              <a:t>就為一組</a:t>
+            </a:r>
+            <a:endParaRPr lang="en-US" altLang="zh-TW" dirty="0" smtClean="0"/>
+          </a:p>
+          <a:p>
+            <a:r>
+              <a:rPr lang="zh-TW" altLang="en-US" dirty="0" smtClean="0"/>
+              <a:t>各校的如需客製流程，就需自行</a:t>
+            </a:r>
+            <a:r>
+              <a:rPr lang="zh-TW" altLang="en-US" dirty="0"/>
+              <a:t>增加</a:t>
+            </a:r>
+            <a:r>
+              <a:rPr lang="en-US" altLang="zh-TW" dirty="0" smtClean="0"/>
+              <a:t>Service</a:t>
+            </a:r>
+            <a:r>
+              <a:rPr lang="zh-TW" altLang="en-US" dirty="0" smtClean="0"/>
+              <a:t>，透過覆寫</a:t>
+            </a:r>
+            <a:r>
+              <a:rPr lang="en-US" altLang="zh-TW" dirty="0" smtClean="0"/>
+              <a:t>method</a:t>
+            </a:r>
+            <a:r>
+              <a:rPr lang="zh-TW" altLang="en-US" dirty="0" smtClean="0"/>
+              <a:t>取代公版規則，</a:t>
+            </a:r>
+            <a:r>
+              <a:rPr lang="en-US" altLang="zh-TW" dirty="0" smtClean="0"/>
+              <a:t/>
+            </a:r>
+            <a:br>
+              <a:rPr lang="en-US" altLang="zh-TW" dirty="0" smtClean="0"/>
+            </a:br>
+            <a:r>
+              <a:rPr lang="zh-TW" altLang="en-US" dirty="0" smtClean="0"/>
+              <a:t>並於</a:t>
+            </a:r>
+            <a:r>
+              <a:rPr lang="en-US" altLang="zh-TW" dirty="0" smtClean="0"/>
+              <a:t>.</a:t>
+            </a:r>
+            <a:r>
+              <a:rPr lang="en-US" altLang="zh-TW" dirty="0" err="1" smtClean="0"/>
+              <a:t>env</a:t>
+            </a:r>
+            <a:r>
+              <a:rPr lang="zh-TW" altLang="en-US" dirty="0" smtClean="0"/>
+              <a:t>檔給予目前的學校代碼</a:t>
+            </a:r>
+            <a:endParaRPr lang="en-US" altLang="zh-TW" dirty="0" smtClean="0"/>
+          </a:p>
+          <a:p>
+            <a:endParaRPr lang="en-US" altLang="zh-TW" dirty="0" smtClean="0"/>
+          </a:p>
+          <a:p>
+            <a:endParaRPr lang="en-US" altLang="zh-TW" dirty="0" smtClean="0"/>
+          </a:p>
+          <a:p>
+            <a:endParaRPr lang="zh-TW" altLang="en-US" dirty="0"/>
+          </a:p>
+        </p:txBody>
+      </p:sp>
+    </p:spTree>
+    <p:extLst>
+      <p:ext uri="{BB962C8B-B14F-4D97-AF65-F5344CB8AC3E}">
+        <p14:creationId xmlns:p14="http://schemas.microsoft.com/office/powerpoint/2010/main" val="1521694271"/>
+      </p:ext>
+    </p:extLst>
+  </p:cSld>
+  <p:clrMapOvr>
+    <a:masterClrMapping/>
+  </p:clrMapOvr>
+</p:sld>
+</file>
+
+<file path=ppt/slides/slide8.xml><?xml version="1.0" encoding="utf-8"?>
+<p:sld xmlns:a="http://schemas.openxmlformats.org/drawingml/2006/main" xmlns:r="http://schemas.openxmlformats.org/officeDocument/2006/relationships" xmlns:p="http://schemas.openxmlformats.org/presentationml/2006/main">
+  <p:cSld>
+    <p:spTree>
+      <p:nvGrpSpPr>
+        <p:cNvPr id="1" name=""/>
+        <p:cNvGrpSpPr/>
+        <p:nvPr/>
+      </p:nvGrpSpPr>
+      <p:grpSpPr>
+        <a:xfrm>
+          <a:off x="0" y="0"/>
+          <a:ext cx="0" cy="0"/>
+          <a:chOff x="0" y="0"/>
+          <a:chExt cx="0" cy="0"/>
+        </a:xfrm>
+      </p:grpSpPr>
+      <p:sp>
+        <p:nvSpPr>
+          <p:cNvPr id="2" name="標題 1"/>
+          <p:cNvSpPr>
+            <a:spLocks noGrp="1"/>
+          </p:cNvSpPr>
+          <p:nvPr>
+            <p:ph type="title"/>
+          </p:nvPr>
+        </p:nvSpPr>
+        <p:spPr/>
+        <p:txBody>
+          <a:bodyPr/>
+          <a:lstStyle/>
+          <a:p>
+            <a:r>
+              <a:rPr lang="zh-TW" altLang="en-US" dirty="0" smtClean="0"/>
+              <a:t>跳脫公版擴充</a:t>
+            </a:r>
+            <a:endParaRPr lang="zh-TW" altLang="en-US" dirty="0"/>
+          </a:p>
+        </p:txBody>
+      </p:sp>
+      <p:sp>
+        <p:nvSpPr>
+          <p:cNvPr id="3" name="內容版面配置區 2"/>
+          <p:cNvSpPr>
+            <a:spLocks noGrp="1"/>
+          </p:cNvSpPr>
+          <p:nvPr>
+            <p:ph idx="1"/>
+          </p:nvPr>
+        </p:nvSpPr>
+        <p:spPr/>
+        <p:txBody>
+          <a:bodyPr/>
+          <a:lstStyle/>
+          <a:p>
+            <a:r>
+              <a:rPr lang="zh-TW" altLang="en-US" dirty="0" smtClean="0"/>
+              <a:t>說明</a:t>
+            </a:r>
+            <a:endParaRPr lang="en-US" altLang="zh-TW" dirty="0" smtClean="0"/>
+          </a:p>
+          <a:p>
+            <a:pPr lvl="1"/>
+            <a:r>
+              <a:rPr lang="zh-TW" altLang="en-US" dirty="0" smtClean="0"/>
+              <a:t>當公版無法滿足客戶需求，需新增一支功能</a:t>
+            </a:r>
+            <a:endParaRPr lang="en-US" altLang="zh-TW" dirty="0" smtClean="0"/>
+          </a:p>
+          <a:p>
+            <a:r>
+              <a:rPr lang="zh-TW" altLang="en-US" dirty="0"/>
+              <a:t>流程</a:t>
+            </a:r>
+            <a:endParaRPr lang="en-US" altLang="zh-TW" dirty="0" smtClean="0"/>
+          </a:p>
+          <a:p>
+            <a:pPr lvl="1"/>
+            <a:r>
+              <a:rPr lang="zh-TW" altLang="en-US" dirty="0" smtClean="0"/>
+              <a:t>與專案小組提出，經團隊成員討論後，決議是否新增功能</a:t>
+            </a:r>
+            <a:endParaRPr lang="en-US" altLang="zh-TW" dirty="0" smtClean="0"/>
+          </a:p>
+          <a:p>
+            <a:pPr lvl="1"/>
+            <a:r>
+              <a:rPr lang="zh-TW" altLang="en-US" dirty="0" smtClean="0"/>
+              <a:t>由專案主管與研發團隊提出擴充</a:t>
+            </a:r>
+            <a:r>
+              <a:rPr lang="zh-TW" altLang="en-US" dirty="0" smtClean="0"/>
+              <a:t>需求</a:t>
+            </a:r>
+            <a:endParaRPr lang="en-US" altLang="zh-TW" dirty="0" smtClean="0"/>
+          </a:p>
+          <a:p>
+            <a:r>
+              <a:rPr lang="zh-TW" altLang="en-US" dirty="0" smtClean="0"/>
+              <a:t>後續</a:t>
+            </a:r>
+            <a:endParaRPr lang="en-US" altLang="zh-TW" dirty="0" smtClean="0"/>
+          </a:p>
+          <a:p>
+            <a:pPr lvl="1"/>
+            <a:r>
+              <a:rPr lang="zh-TW" altLang="en-US" dirty="0"/>
+              <a:t>研發團隊與各專案主管評估是否需將此功能併入公版</a:t>
+            </a:r>
+            <a:endParaRPr lang="en-US" altLang="zh-TW" dirty="0"/>
+          </a:p>
+          <a:p>
+            <a:pPr lvl="2"/>
+            <a:r>
+              <a:rPr lang="zh-TW" altLang="en-US" dirty="0"/>
+              <a:t>同意併入公版，則需將該學校版本之程式碼移除檔案，改由公版</a:t>
+            </a:r>
+            <a:endParaRPr lang="en-US" altLang="zh-TW" dirty="0"/>
+          </a:p>
+          <a:p>
+            <a:pPr lvl="1"/>
+            <a:endParaRPr lang="en-US" altLang="zh-TW" dirty="0" smtClean="0"/>
+          </a:p>
+          <a:p>
+            <a:endParaRPr lang="en-US" altLang="zh-TW" dirty="0" smtClean="0"/>
+          </a:p>
+        </p:txBody>
+      </p:sp>
+    </p:spTree>
+    <p:extLst>
+      <p:ext uri="{BB962C8B-B14F-4D97-AF65-F5344CB8AC3E}">
+        <p14:creationId xmlns:p14="http://schemas.microsoft.com/office/powerpoint/2010/main" val="3837120734"/>
+      </p:ext>
+    </p:extLst>
+  </p:cSld>
+  <p:clrMapOvr>
+    <a:masterClrMapping/>
+  </p:clrMapOvr>
+</p:sld>
+</file>
+
+<file path=ppt/slides/slide9.xml><?xml version="1.0" encoding="utf-8"?>
+<p:sld xmlns:a="http://schemas.openxmlformats.org/drawingml/2006/main" xmlns:r="http://schemas.openxmlformats.org/officeDocument/2006/relationships" xmlns:p="http://schemas.openxmlformats.org/presentationml/2006/main">
+  <p:cSld>
+    <p:spTree>
+      <p:nvGrpSpPr>
+        <p:cNvPr id="1" name=""/>
+        <p:cNvGrpSpPr/>
+        <p:nvPr/>
+      </p:nvGrpSpPr>
+      <p:grpSpPr>
+        <a:xfrm>
+          <a:off x="0" y="0"/>
+          <a:ext cx="0" cy="0"/>
+          <a:chOff x="0" y="0"/>
+          <a:chExt cx="0" cy="0"/>
+        </a:xfrm>
+      </p:grpSpPr>
+      <p:sp>
+        <p:nvSpPr>
+          <p:cNvPr id="2" name="標題 1"/>
+          <p:cNvSpPr>
+            <a:spLocks noGrp="1"/>
+          </p:cNvSpPr>
+          <p:nvPr>
+            <p:ph type="title"/>
+          </p:nvPr>
+        </p:nvSpPr>
+        <p:spPr/>
+        <p:txBody>
+          <a:bodyPr/>
+          <a:lstStyle/>
+          <a:p>
+            <a:r>
+              <a:rPr lang="zh-TW" altLang="en-US" dirty="0" smtClean="0"/>
+              <a:t>實作</a:t>
+            </a:r>
+            <a:endParaRPr lang="zh-TW" altLang="en-US" dirty="0"/>
+          </a:p>
+        </p:txBody>
+      </p:sp>
+      <p:sp>
+        <p:nvSpPr>
+          <p:cNvPr id="3" name="內容版面配置區 2"/>
+          <p:cNvSpPr>
+            <a:spLocks noGrp="1"/>
+          </p:cNvSpPr>
+          <p:nvPr>
+            <p:ph idx="1"/>
+          </p:nvPr>
+        </p:nvSpPr>
+        <p:spPr/>
+        <p:txBody>
+          <a:bodyPr>
+            <a:normAutofit/>
+          </a:bodyPr>
+          <a:lstStyle/>
+          <a:p>
+            <a:r>
+              <a:rPr lang="zh-TW" altLang="en-US" dirty="0" smtClean="0"/>
+              <a:t>於公版增加新功能 </a:t>
+            </a:r>
+            <a:r>
+              <a:rPr lang="en-US" altLang="zh-TW" dirty="0" smtClean="0"/>
+              <a:t>–</a:t>
+            </a:r>
+            <a:r>
+              <a:rPr lang="zh-TW" altLang="en-US" dirty="0" smtClean="0"/>
+              <a:t> 選單編號</a:t>
+            </a:r>
+            <a:r>
+              <a:rPr lang="en-US" altLang="zh-TW" dirty="0" smtClean="0"/>
+              <a:t>:</a:t>
+            </a:r>
+            <a:r>
+              <a:rPr lang="zh-TW" altLang="en-US" dirty="0" smtClean="0"/>
+              <a:t> </a:t>
+            </a:r>
+            <a:r>
+              <a:rPr lang="en-US" altLang="zh-TW" dirty="0" smtClean="0"/>
+              <a:t>A01120</a:t>
+            </a:r>
+          </a:p>
+          <a:p>
+            <a:pPr lvl="1"/>
+            <a:r>
+              <a:rPr lang="zh-TW" altLang="en-US" dirty="0"/>
+              <a:t>建</a:t>
+            </a:r>
+            <a:r>
+              <a:rPr lang="zh-TW" altLang="en-US" dirty="0" smtClean="0"/>
+              <a:t>置</a:t>
+            </a:r>
+            <a:r>
+              <a:rPr lang="en-US" altLang="zh-TW" dirty="0" smtClean="0"/>
+              <a:t>Route</a:t>
+            </a:r>
+          </a:p>
+          <a:p>
+            <a:pPr lvl="2"/>
+            <a:r>
+              <a:rPr lang="zh-TW" altLang="en-US" dirty="0" smtClean="0"/>
+              <a:t>修改 </a:t>
+            </a:r>
+            <a:r>
+              <a:rPr lang="en-US" altLang="zh-TW" dirty="0" err="1" smtClean="0"/>
+              <a:t>web.php</a:t>
+            </a:r>
+            <a:r>
+              <a:rPr lang="en-US" altLang="zh-TW" dirty="0"/>
+              <a:t/>
+            </a:r>
+            <a:br>
+              <a:rPr lang="en-US" altLang="zh-TW" dirty="0"/>
+            </a:br>
+            <a:r>
+              <a:rPr lang="en-US" altLang="zh-TW" dirty="0" smtClean="0"/>
+              <a:t>Route::resource(‘/A01120’, ‘A01120Controller’);</a:t>
+            </a:r>
+          </a:p>
+        </p:txBody>
+      </p:sp>
+    </p:spTree>
+    <p:extLst>
+      <p:ext uri="{BB962C8B-B14F-4D97-AF65-F5344CB8AC3E}">
+        <p14:creationId xmlns:p14="http://schemas.microsoft.com/office/powerpoint/2010/main" val="856049878"/>
+      </p:ext>
+    </p:extLst>
+  </p:cSld>
+  <p:clrMapOvr>
+    <a:masterClrMapping/>
+  </p:clrMapOvr>
 </p:sld>
 </file>
 
